--- a/Slides/AZ-104T00A-ENU-PowerPoint_08 - done.pptx
+++ b/Slides/AZ-104T00A-ENU-PowerPoint_08 - done.pptx
@@ -372,7 +372,7 @@
               <a:rPr lang="en-US" smtClean="0">
                 <a:latin typeface="Segoe UI" pitchFamily="34" charset="0"/>
               </a:rPr>
-              <a:t>12/5/2022 9:02 PM</a:t>
+              <a:t>12/14/2022 10:11 AM</a:t>
             </a:fld>
             <a:endParaRPr lang="en-US" dirty="0">
               <a:latin typeface="Segoe UI" pitchFamily="34" charset="0"/>
@@ -650,7 +650,7 @@
           <a:p>
             <a:fld id="{DCE60099-03E7-4FA1-8A7F-E6E6CFB0F855}" type="datetime8">
               <a:rPr lang="en-US" smtClean="0"/>
-              <a:t>12/5/2022 9:01 PM</a:t>
+              <a:t>12/14/2022 10:11 AM</a:t>
             </a:fld>
             <a:endParaRPr lang="en-US" dirty="0"/>
           </a:p>
@@ -1116,7 +1116,7 @@
                 <a:tabLst/>
                 <a:defRPr/>
               </a:pPr>
-              <a:t>12/5/2022 9:01 PM</a:t>
+              <a:t>12/14/2022 10:11 AM</a:t>
             </a:fld>
             <a:endParaRPr kumimoji="0" lang="en-US" sz="1200" b="0" i="0" u="none" strike="noStrike" kern="1200" cap="none" spc="0" normalizeH="0" baseline="0" noProof="0" dirty="0">
               <a:ln>
@@ -1952,7 +1952,7 @@
                 <a:tabLst/>
                 <a:defRPr/>
               </a:pPr>
-              <a:t>12/5/2022 9:01 PM</a:t>
+              <a:t>12/14/2022 10:11 AM</a:t>
             </a:fld>
             <a:endParaRPr kumimoji="0" lang="en-US" sz="1200" b="0" i="0" u="none" strike="noStrike" kern="1200" cap="none" spc="0" normalizeH="0" baseline="0" noProof="0" dirty="0">
               <a:ln>
@@ -3047,7 +3047,7 @@
                 <a:tabLst/>
                 <a:defRPr/>
               </a:pPr>
-              <a:t>12/5/2022 9:01 PM</a:t>
+              <a:t>12/14/2022 10:11 AM</a:t>
             </a:fld>
             <a:endParaRPr kumimoji="0" lang="en-US" sz="1200" b="0" i="0" u="none" strike="noStrike" kern="1200" cap="none" spc="0" normalizeH="0" baseline="0" noProof="0" dirty="0">
               <a:ln>
@@ -3383,7 +3383,7 @@
                 <a:tabLst/>
                 <a:defRPr/>
               </a:pPr>
-              <a:t>12/5/2022 9:01 PM</a:t>
+              <a:t>12/14/2022 10:11 AM</a:t>
             </a:fld>
             <a:endParaRPr kumimoji="0" lang="en-US" sz="1200" b="0" i="0" u="none" strike="noStrike" kern="1200" cap="none" spc="0" normalizeH="0" baseline="0" noProof="0" dirty="0">
               <a:ln>
@@ -4050,7 +4050,7 @@
                 <a:tabLst/>
                 <a:defRPr/>
               </a:pPr>
-              <a:t>12/5/2022 9:01 PM</a:t>
+              <a:t>12/14/2022 10:11 AM</a:t>
             </a:fld>
             <a:endParaRPr kumimoji="0" lang="en-US" sz="1200" b="0" i="0" u="none" strike="noStrike" kern="1200" cap="none" spc="0" normalizeH="0" baseline="0" noProof="0" dirty="0">
               <a:ln>
@@ -5479,7 +5479,7 @@
                 <a:tabLst/>
                 <a:defRPr/>
               </a:pPr>
-              <a:t>12/5/2022 9:01 PM</a:t>
+              <a:t>12/14/2022 10:11 AM</a:t>
             </a:fld>
             <a:endParaRPr kumimoji="0" lang="en-US" sz="1200" b="0" i="0" u="none" strike="noStrike" kern="1200" cap="none" spc="0" normalizeH="0" baseline="0" noProof="0" dirty="0">
               <a:ln>
@@ -6524,7 +6524,7 @@
                 <a:tabLst/>
                 <a:defRPr/>
               </a:pPr>
-              <a:t>12/5/2022 9:01 PM</a:t>
+              <a:t>12/14/2022 10:11 AM</a:t>
             </a:fld>
             <a:endParaRPr kumimoji="0" lang="en-US" sz="1200" b="0" i="0" u="none" strike="noStrike" kern="1200" cap="none" spc="0" normalizeH="0" baseline="0" noProof="0" dirty="0">
               <a:ln>
@@ -6906,7 +6906,7 @@
                 <a:tabLst/>
                 <a:defRPr/>
               </a:pPr>
-              <a:t>12/5/2022 9:01 PM</a:t>
+              <a:t>12/14/2022 10:11 AM</a:t>
             </a:fld>
             <a:endParaRPr kumimoji="0" lang="en-US" sz="1200" b="0" i="0" u="none" strike="noStrike" kern="1200" cap="none" spc="0" normalizeH="0" baseline="0" noProof="0" dirty="0">
               <a:ln>
@@ -7324,7 +7324,7 @@
                 <a:tabLst/>
                 <a:defRPr/>
               </a:pPr>
-              <a:t>12/5/2022 9:01 PM</a:t>
+              <a:t>12/14/2022 10:11 AM</a:t>
             </a:fld>
             <a:endParaRPr kumimoji="0" lang="en-US" sz="1200" b="0" i="0" u="none" strike="noStrike" kern="1200" cap="none" spc="0" normalizeH="0" baseline="0" noProof="0" dirty="0">
               <a:ln>
@@ -7888,7 +7888,7 @@
           <a:p>
             <a:fld id="{386CE63F-9E7F-4C04-9D0D-FCA25A8E9E86}" type="datetime8">
               <a:rPr lang="en-US" smtClean="0"/>
-              <a:t>12/5/2022 9:01 PM</a:t>
+              <a:t>12/14/2022 10:11 AM</a:t>
             </a:fld>
             <a:endParaRPr lang="en-US" dirty="0"/>
           </a:p>
@@ -8236,7 +8236,7 @@
                 <a:tabLst/>
                 <a:defRPr/>
               </a:pPr>
-              <a:t>12/5/2022 9:01 PM</a:t>
+              <a:t>12/14/2022 10:11 AM</a:t>
             </a:fld>
             <a:endParaRPr kumimoji="0" lang="en-US" sz="1200" b="0" i="0" u="none" strike="noStrike" kern="1200" cap="none" spc="0" normalizeH="0" baseline="0" noProof="0" dirty="0">
               <a:ln>
@@ -8572,7 +8572,7 @@
                 <a:tabLst/>
                 <a:defRPr/>
               </a:pPr>
-              <a:t>12/5/2022 9:01 PM</a:t>
+              <a:t>12/14/2022 10:11 AM</a:t>
             </a:fld>
             <a:endParaRPr kumimoji="0" lang="en-US" sz="1200" b="0" i="0" u="none" strike="noStrike" kern="1200" cap="none" spc="0" normalizeH="0" baseline="0" noProof="0" dirty="0">
               <a:ln>
@@ -8992,7 +8992,7 @@
                 <a:tabLst/>
                 <a:defRPr/>
               </a:pPr>
-              <a:t>12/5/2022 9:01 PM</a:t>
+              <a:t>12/14/2022 10:11 AM</a:t>
             </a:fld>
             <a:endParaRPr kumimoji="0" lang="en-US" sz="1200" b="0" i="0" u="none" strike="noStrike" kern="1200" cap="none" spc="0" normalizeH="0" baseline="0" noProof="0" dirty="0">
               <a:ln>
@@ -9328,7 +9328,7 @@
                 <a:tabLst/>
                 <a:defRPr/>
               </a:pPr>
-              <a:t>12/5/2022 9:01 PM</a:t>
+              <a:t>12/14/2022 10:11 AM</a:t>
             </a:fld>
             <a:endParaRPr kumimoji="0" lang="en-US" sz="1200" b="0" i="0" u="none" strike="noStrike" kern="1200" cap="none" spc="0" normalizeH="0" baseline="0" noProof="0" dirty="0">
               <a:ln>
@@ -9664,7 +9664,7 @@
                 <a:tabLst/>
                 <a:defRPr/>
               </a:pPr>
-              <a:t>12/5/2022 9:01 PM</a:t>
+              <a:t>12/14/2022 10:11 AM</a:t>
             </a:fld>
             <a:endParaRPr kumimoji="0" lang="en-US" sz="1200" b="0" i="0" u="none" strike="noStrike" kern="1200" cap="none" spc="0" normalizeH="0" baseline="0" noProof="0" dirty="0">
               <a:ln>
@@ -10070,7 +10070,7 @@
                 <a:tabLst/>
                 <a:defRPr/>
               </a:pPr>
-              <a:t>12/5/2022 9:01 PM</a:t>
+              <a:t>12/14/2022 10:11 AM</a:t>
             </a:fld>
             <a:endParaRPr kumimoji="0" lang="en-US" sz="1200" b="0" i="0" u="none" strike="noStrike" kern="1200" cap="none" spc="0" normalizeH="0" baseline="0" noProof="0" dirty="0">
               <a:ln>
@@ -10527,7 +10527,7 @@
                 <a:tabLst/>
                 <a:defRPr/>
               </a:pPr>
-              <a:t>12/5/2022 9:01 PM</a:t>
+              <a:t>12/14/2022 10:11 AM</a:t>
             </a:fld>
             <a:endParaRPr kumimoji="0" lang="en-US" sz="1200" b="0" i="0" u="none" strike="noStrike" kern="1200" cap="none" spc="0" normalizeH="0" baseline="0" noProof="0" dirty="0">
               <a:ln>
@@ -37628,14 +37628,14 @@
           <p:nvPr>
             <p:extLst>
               <p:ext uri="{D42A27DB-BD31-4B8C-83A1-F6EECF244321}">
-                <p14:modId xmlns:p14="http://schemas.microsoft.com/office/powerpoint/2010/main" val="3573287040"/>
+                <p14:modId xmlns:p14="http://schemas.microsoft.com/office/powerpoint/2010/main" val="354605772"/>
               </p:ext>
             </p:extLst>
           </p:nvPr>
         </p:nvGraphicFramePr>
         <p:xfrm>
-          <a:off x="641511" y="1359766"/>
-          <a:ext cx="11228756" cy="4001943"/>
+          <a:off x="683491" y="1359766"/>
+          <a:ext cx="11186776" cy="4001943"/>
         </p:xfrm>
         <a:graphic>
           <a:graphicData uri="http://schemas.openxmlformats.org/drawingml/2006/table">
@@ -37644,7 +37644,7 @@
                 <a:tableStyleId>{5C22544A-7EE6-4342-B048-85BDC9FD1C3A}</a:tableStyleId>
               </a:tblPr>
               <a:tblGrid>
-                <a:gridCol w="3398282">
+                <a:gridCol w="3356302">
                   <a:extLst>
                     <a:ext uri="{9D8B030D-6E8A-4147-A177-3AD203B41FA5}">
                       <a16:colId xmlns:a16="http://schemas.microsoft.com/office/drawing/2014/main" val="951393410"/>
@@ -38648,97 +38648,6 @@
           </a:graphicData>
         </a:graphic>
       </p:graphicFrame>
-      <p:sp>
-        <p:nvSpPr>
-          <p:cNvPr id="5" name="Rectangle 4">
-            <a:extLst>
-              <a:ext uri="{FF2B5EF4-FFF2-40B4-BE49-F238E27FC236}">
-                <a16:creationId xmlns:a16="http://schemas.microsoft.com/office/drawing/2014/main" id="{27836B64-FC1D-4A55-BBF0-EF6EF6BD0AAD}"/>
-              </a:ext>
-            </a:extLst>
-          </p:cNvPr>
-          <p:cNvSpPr/>
-          <p:nvPr/>
-        </p:nvSpPr>
-        <p:spPr bwMode="auto">
-          <a:xfrm>
-            <a:off x="641510" y="5700409"/>
-            <a:ext cx="11228757" cy="661337"/>
-          </a:xfrm>
-          <a:prstGeom prst="rect">
-            <a:avLst/>
-          </a:prstGeom>
-          <a:solidFill>
-            <a:schemeClr val="bg1">
-              <a:lumMod val="95000"/>
-            </a:schemeClr>
-          </a:solidFill>
-          <a:ln>
-            <a:solidFill>
-              <a:schemeClr val="accent1"/>
-            </a:solidFill>
-            <a:headEnd type="none" w="med" len="med"/>
-            <a:tailEnd type="none" w="med" len="med"/>
-          </a:ln>
-          <a:effectLst/>
-        </p:spPr>
-        <p:style>
-          <a:lnRef idx="1">
-            <a:schemeClr val="accent2"/>
-          </a:lnRef>
-          <a:fillRef idx="3">
-            <a:schemeClr val="accent2"/>
-          </a:fillRef>
-          <a:effectRef idx="2">
-            <a:schemeClr val="accent2"/>
-          </a:effectRef>
-          <a:fontRef idx="minor">
-            <a:schemeClr val="lt1"/>
-          </a:fontRef>
-        </p:style>
-        <p:txBody>
-          <a:bodyPr rot="0" spcFirstLastPara="0" vertOverflow="overflow" horzOverflow="overflow" vert="horz" wrap="square" lIns="182880" tIns="137160" rIns="182880" bIns="137160" numCol="1" spcCol="0" rtlCol="0" fromWordArt="0" anchor="ctr" anchorCtr="0" forceAA="0" compatLnSpc="1">
-            <a:prstTxWarp prst="textNoShape">
-              <a:avLst/>
-            </a:prstTxWarp>
-            <a:noAutofit/>
-          </a:bodyPr>
-          <a:lstStyle/>
-          <a:p>
-            <a:pPr defTabSz="932472" fontAlgn="base">
-              <a:spcBef>
-                <a:spcPct val="0"/>
-              </a:spcBef>
-              <a:spcAft>
-                <a:spcPct val="0"/>
-              </a:spcAft>
-            </a:pPr>
-            <a:r>
-              <a:rPr lang="en-US" sz="2000" b="0" i="0" dirty="0">
-                <a:solidFill>
-                  <a:srgbClr val="171717"/>
-                </a:solidFill>
-                <a:effectLst/>
-                <a:latin typeface="Segoe UI" panose="020B0502040204020203" pitchFamily="34" charset="0"/>
-              </a:rPr>
-              <a:t>✔️ </a:t>
-            </a:r>
-            <a:r>
-              <a:rPr lang="en-US" sz="2000" dirty="0">
-                <a:hlinkClick r:id="rId4"/>
-              </a:rPr>
-              <a:t>Share VM images in a compute gallery </a:t>
-            </a:r>
-            <a:endParaRPr lang="en-IN" sz="2000" dirty="0">
-              <a:solidFill>
-                <a:schemeClr val="tx1"/>
-              </a:solidFill>
-              <a:ea typeface="Segoe UI" pitchFamily="34" charset="0"/>
-              <a:cs typeface="Segoe UI" pitchFamily="34" charset="0"/>
-            </a:endParaRPr>
-          </a:p>
-        </p:txBody>
-      </p:sp>
     </p:spTree>
     <p:extLst>
       <p:ext uri="{BB962C8B-B14F-4D97-AF65-F5344CB8AC3E}">
